--- a/Learn to Produce Effective Web APIs with ASP.NET 5 - Overview.pptx
+++ b/Learn to Produce Effective Web APIs with ASP.NET 5 - Overview.pptx
@@ -5,10 +5,10 @@
     <p:sldMasterId id="2147483682" r:id="rId1"/>
   </p:sldMasterIdLst>
   <p:notesMasterIdLst>
-    <p:notesMasterId r:id="rId9"/>
+    <p:notesMasterId r:id="rId10"/>
   </p:notesMasterIdLst>
   <p:handoutMasterIdLst>
-    <p:handoutMasterId r:id="rId10"/>
+    <p:handoutMasterId r:id="rId11"/>
   </p:handoutMasterIdLst>
   <p:sldIdLst>
     <p:sldId id="260" r:id="rId2"/>
@@ -18,6 +18,7 @@
     <p:sldId id="262" r:id="rId6"/>
     <p:sldId id="263" r:id="rId7"/>
     <p:sldId id="264" r:id="rId8"/>
+    <p:sldId id="266" r:id="rId9"/>
   </p:sldIdLst>
   <p:sldSz cx="9144000" cy="5143500" type="screen16x9"/>
   <p:notesSz cx="6858000" cy="9144000"/>
@@ -820,7 +821,7 @@
           <a:p>
             <a:fld id="{D088F999-7A4E-6B4F-9FED-EF75B73AD044}" type="datetimeFigureOut">
               <a:rPr lang="en-US" smtClean="0"/>
-              <a:t>9/22/2021</a:t>
+              <a:t>9/27/2021</a:t>
             </a:fld>
             <a:endParaRPr lang="en-US"/>
           </a:p>
@@ -988,7 +989,7 @@
           <a:p>
             <a:fld id="{D088F999-7A4E-6B4F-9FED-EF75B73AD044}" type="datetimeFigureOut">
               <a:rPr lang="en-US" smtClean="0"/>
-              <a:t>9/22/2021</a:t>
+              <a:t>9/27/2021</a:t>
             </a:fld>
             <a:endParaRPr lang="en-US"/>
           </a:p>
@@ -1166,7 +1167,7 @@
           <a:p>
             <a:fld id="{D088F999-7A4E-6B4F-9FED-EF75B73AD044}" type="datetimeFigureOut">
               <a:rPr lang="en-US" smtClean="0"/>
-              <a:t>9/22/2021</a:t>
+              <a:t>9/27/2021</a:t>
             </a:fld>
             <a:endParaRPr lang="en-US"/>
           </a:p>
@@ -1334,7 +1335,7 @@
           <a:p>
             <a:fld id="{D088F999-7A4E-6B4F-9FED-EF75B73AD044}" type="datetimeFigureOut">
               <a:rPr lang="en-US" smtClean="0"/>
-              <a:t>9/22/2021</a:t>
+              <a:t>9/27/2021</a:t>
             </a:fld>
             <a:endParaRPr lang="en-US"/>
           </a:p>
@@ -1579,7 +1580,7 @@
           <a:p>
             <a:fld id="{D088F999-7A4E-6B4F-9FED-EF75B73AD044}" type="datetimeFigureOut">
               <a:rPr lang="en-US" smtClean="0"/>
-              <a:t>9/22/2021</a:t>
+              <a:t>9/27/2021</a:t>
             </a:fld>
             <a:endParaRPr lang="en-US"/>
           </a:p>
@@ -1864,7 +1865,7 @@
           <a:p>
             <a:fld id="{D088F999-7A4E-6B4F-9FED-EF75B73AD044}" type="datetimeFigureOut">
               <a:rPr lang="en-US" smtClean="0"/>
-              <a:t>9/22/2021</a:t>
+              <a:t>9/27/2021</a:t>
             </a:fld>
             <a:endParaRPr lang="en-US"/>
           </a:p>
@@ -2283,7 +2284,7 @@
           <a:p>
             <a:fld id="{D088F999-7A4E-6B4F-9FED-EF75B73AD044}" type="datetimeFigureOut">
               <a:rPr lang="en-US" smtClean="0"/>
-              <a:t>9/22/2021</a:t>
+              <a:t>9/27/2021</a:t>
             </a:fld>
             <a:endParaRPr lang="en-US"/>
           </a:p>
@@ -2400,7 +2401,7 @@
           <a:p>
             <a:fld id="{D088F999-7A4E-6B4F-9FED-EF75B73AD044}" type="datetimeFigureOut">
               <a:rPr lang="en-US" smtClean="0"/>
-              <a:t>9/22/2021</a:t>
+              <a:t>9/27/2021</a:t>
             </a:fld>
             <a:endParaRPr lang="en-US"/>
           </a:p>
@@ -2495,7 +2496,7 @@
           <a:p>
             <a:fld id="{D088F999-7A4E-6B4F-9FED-EF75B73AD044}" type="datetimeFigureOut">
               <a:rPr lang="en-US" smtClean="0"/>
-              <a:t>9/22/2021</a:t>
+              <a:t>9/27/2021</a:t>
             </a:fld>
             <a:endParaRPr lang="en-US"/>
           </a:p>
@@ -2770,7 +2771,7 @@
           <a:p>
             <a:fld id="{D088F999-7A4E-6B4F-9FED-EF75B73AD044}" type="datetimeFigureOut">
               <a:rPr lang="en-US" smtClean="0"/>
-              <a:t>9/22/2021</a:t>
+              <a:t>9/27/2021</a:t>
             </a:fld>
             <a:endParaRPr lang="en-US"/>
           </a:p>
@@ -3022,7 +3023,7 @@
           <a:p>
             <a:fld id="{D088F999-7A4E-6B4F-9FED-EF75B73AD044}" type="datetimeFigureOut">
               <a:rPr lang="en-US" smtClean="0"/>
-              <a:t>9/22/2021</a:t>
+              <a:t>9/27/2021</a:t>
             </a:fld>
             <a:endParaRPr lang="en-US"/>
           </a:p>
@@ -3242,7 +3243,7 @@
           <a:p>
             <a:fld id="{D088F999-7A4E-6B4F-9FED-EF75B73AD044}" type="datetimeFigureOut">
               <a:rPr lang="en-US" smtClean="0"/>
-              <a:t>9/22/2021</a:t>
+              <a:t>9/27/2021</a:t>
             </a:fld>
             <a:endParaRPr lang="en-US"/>
           </a:p>
@@ -4908,14 +4909,25 @@
           <a:p>
             <a:r>
               <a:rPr lang="en-US" sz="1800" dirty="0"/>
-              <a:t> Creating and using Unit Testing for your API</a:t>
+              <a:t>Creating and using Unit Testing for your API</a:t>
             </a:r>
           </a:p>
           <a:p>
             <a:r>
               <a:rPr lang="en-US" sz="1800" dirty="0"/>
-              <a:t> Creating and using Integrating Testing for your API</a:t>
-            </a:r>
+              <a:t>Creating and using Integrating Testing for your API</a:t>
+            </a:r>
+          </a:p>
+          <a:p>
+            <a:r>
+              <a:rPr lang="en-US" sz="1800" dirty="0"/>
+              <a:t>Testing your APIs with the </a:t>
+            </a:r>
+            <a:r>
+              <a:rPr lang="en-US" sz="1800" dirty="0" err="1"/>
+              <a:t>HttpRepl</a:t>
+            </a:r>
+            <a:endParaRPr lang="en-US" sz="1800" dirty="0"/>
           </a:p>
         </p:txBody>
       </p:sp>
@@ -5079,19 +5091,19 @@
           <a:p>
             <a:r>
               <a:rPr lang="en-US" sz="1800" dirty="0"/>
-              <a:t> Consuming ASP.NET Web API in .NET</a:t>
+              <a:t>Consuming ASP.NET Web API in .NET</a:t>
             </a:r>
           </a:p>
           <a:p>
             <a:r>
               <a:rPr lang="en-US" sz="1800" dirty="0"/>
-              <a:t> Consuming ASP.NET Web API with OpenAPI</a:t>
+              <a:t>Consuming ASP.NET Web API with OpenAPI</a:t>
             </a:r>
           </a:p>
           <a:p>
             <a:r>
               <a:rPr lang="en-US" sz="1800" dirty="0"/>
-              <a:t> Consuming ASP.NET Web API in Javascript</a:t>
+              <a:t>Consuming ASP.NET Web API in Javascript</a:t>
             </a:r>
           </a:p>
         </p:txBody>
@@ -5384,6 +5396,86 @@
     <p:extLst>
       <p:ext uri="{BB962C8B-B14F-4D97-AF65-F5344CB8AC3E}">
         <p14:creationId xmlns:p14="http://schemas.microsoft.com/office/powerpoint/2010/main" val="2832679875"/>
+      </p:ext>
+    </p:extLst>
+  </p:cSld>
+  <p:clrMapOvr>
+    <a:masterClrMapping/>
+  </p:clrMapOvr>
+</p:sld>
+</file>
+
+<file path=ppt/slides/slide8.xml><?xml version="1.0" encoding="utf-8"?>
+<p:sld xmlns:a="http://schemas.openxmlformats.org/drawingml/2006/main" xmlns:r="http://schemas.openxmlformats.org/officeDocument/2006/relationships" xmlns:p="http://schemas.openxmlformats.org/presentationml/2006/main">
+  <p:cSld>
+    <p:spTree>
+      <p:nvGrpSpPr>
+        <p:cNvPr id="1" name=""/>
+        <p:cNvGrpSpPr/>
+        <p:nvPr/>
+      </p:nvGrpSpPr>
+      <p:grpSpPr>
+        <a:xfrm>
+          <a:off x="0" y="0"/>
+          <a:ext cx="0" cy="0"/>
+          <a:chOff x="0" y="0"/>
+          <a:chExt cx="0" cy="0"/>
+        </a:xfrm>
+      </p:grpSpPr>
+      <p:sp>
+        <p:nvSpPr>
+          <p:cNvPr id="2" name="Title 1">
+            <a:extLst>
+              <a:ext uri="{FF2B5EF4-FFF2-40B4-BE49-F238E27FC236}">
+                <a16:creationId xmlns:a16="http://schemas.microsoft.com/office/drawing/2014/main" id="{E6CCDF3C-D2CA-4970-9530-EEEA142FEC51}"/>
+              </a:ext>
+            </a:extLst>
+          </p:cNvPr>
+          <p:cNvSpPr>
+            <a:spLocks noGrp="1"/>
+          </p:cNvSpPr>
+          <p:nvPr>
+            <p:ph type="title"/>
+          </p:nvPr>
+        </p:nvSpPr>
+        <p:spPr/>
+        <p:txBody>
+          <a:bodyPr/>
+          <a:lstStyle/>
+          <a:p>
+            <a:endParaRPr lang="en-US" dirty="0"/>
+          </a:p>
+        </p:txBody>
+      </p:sp>
+      <p:sp>
+        <p:nvSpPr>
+          <p:cNvPr id="3" name="Content Placeholder 2">
+            <a:extLst>
+              <a:ext uri="{FF2B5EF4-FFF2-40B4-BE49-F238E27FC236}">
+                <a16:creationId xmlns:a16="http://schemas.microsoft.com/office/drawing/2014/main" id="{4250C2B8-CDEF-412E-B9D1-80DCD529EF44}"/>
+              </a:ext>
+            </a:extLst>
+          </p:cNvPr>
+          <p:cNvSpPr>
+            <a:spLocks noGrp="1"/>
+          </p:cNvSpPr>
+          <p:nvPr>
+            <p:ph idx="1"/>
+          </p:nvPr>
+        </p:nvSpPr>
+        <p:spPr/>
+        <p:txBody>
+          <a:bodyPr/>
+          <a:lstStyle/>
+          <a:p>
+            <a:endParaRPr lang="en-US"/>
+          </a:p>
+        </p:txBody>
+      </p:sp>
+    </p:spTree>
+    <p:extLst>
+      <p:ext uri="{BB962C8B-B14F-4D97-AF65-F5344CB8AC3E}">
+        <p14:creationId xmlns:p14="http://schemas.microsoft.com/office/powerpoint/2010/main" val="1217188266"/>
       </p:ext>
     </p:extLst>
   </p:cSld>
